--- a/Cleaned_Workflow/Results/BLAST/GOrillaFiguresAndClusters.pptx
+++ b/Cleaned_Workflow/Results/BLAST/GOrillaFiguresAndClusters.pptx
@@ -116,6 +116,11 @@
       </a:defRPr>
     </a:lvl9pPr>
   </p:defaultTextStyle>
+  <p:extLst>
+    <p:ext uri="{EFAFB233-063F-42B5-8137-9DF3F51BA10A}">
+      <p15:sldGuideLst xmlns:p15="http://schemas.microsoft.com/office/powerpoint/2012/main"/>
+    </p:ext>
+  </p:extLst>
 </p:presentation>
 </file>
 
@@ -3779,31 +3784,6 @@
       </p:sp>
       <p:sp>
         <p:nvSpPr>
-          <p:cNvPr id="3" name="Subtitle 2">
-            <a:extLst>
-              <a:ext uri="{FF2B5EF4-FFF2-40B4-BE49-F238E27FC236}">
-                <a16:creationId xmlns:a16="http://schemas.microsoft.com/office/drawing/2014/main" id="{B03DDDEA-BB0F-A335-845F-8BF6B42367ED}"/>
-              </a:ext>
-            </a:extLst>
-          </p:cNvPr>
-          <p:cNvSpPr>
-            <a:spLocks noGrp="1"/>
-          </p:cNvSpPr>
-          <p:nvPr>
-            <p:ph type="subTitle" idx="1"/>
-          </p:nvPr>
-        </p:nvSpPr>
-        <p:spPr/>
-        <p:txBody>
-          <a:bodyPr/>
-          <a:lstStyle/>
-          <a:p>
-            <a:endParaRPr lang="en-US"/>
-          </a:p>
-        </p:txBody>
-      </p:sp>
-      <p:sp>
-        <p:nvSpPr>
           <p:cNvPr id="4" name="TextBox 3">
             <a:extLst>
               <a:ext uri="{FF2B5EF4-FFF2-40B4-BE49-F238E27FC236}">
@@ -3862,16 +3842,15 @@
           </p:cNvPicPr>
           <p:nvPr/>
         </p:nvPicPr>
-        <p:blipFill>
+        <p:blipFill rotWithShape="1">
           <a:blip r:embed="rId2"/>
-          <a:stretch>
-            <a:fillRect/>
-          </a:stretch>
+          <a:srcRect b="903"/>
+          <a:stretch/>
         </p:blipFill>
         <p:spPr>
           <a:xfrm>
             <a:off x="1092200" y="2051049"/>
-            <a:ext cx="3911600" cy="2755900"/>
+            <a:ext cx="3911600" cy="2731016"/>
           </a:xfrm>
           <a:prstGeom prst="rect">
             <a:avLst/>
@@ -3941,31 +3920,6 @@
           </a:p>
         </p:txBody>
       </p:sp>
-      <p:sp>
-        <p:nvSpPr>
-          <p:cNvPr id="3" name="Subtitle 2">
-            <a:extLst>
-              <a:ext uri="{FF2B5EF4-FFF2-40B4-BE49-F238E27FC236}">
-                <a16:creationId xmlns:a16="http://schemas.microsoft.com/office/drawing/2014/main" id="{B03DDDEA-BB0F-A335-845F-8BF6B42367ED}"/>
-              </a:ext>
-            </a:extLst>
-          </p:cNvPr>
-          <p:cNvSpPr>
-            <a:spLocks noGrp="1"/>
-          </p:cNvSpPr>
-          <p:nvPr>
-            <p:ph type="subTitle" idx="1"/>
-          </p:nvPr>
-        </p:nvSpPr>
-        <p:spPr/>
-        <p:txBody>
-          <a:bodyPr/>
-          <a:lstStyle/>
-          <a:p>
-            <a:endParaRPr lang="en-US" dirty="0"/>
-          </a:p>
-        </p:txBody>
-      </p:sp>
       <p:pic>
         <p:nvPicPr>
           <p:cNvPr id="4" name="Picture 3">
@@ -4089,31 +4043,6 @@
           </a:p>
         </p:txBody>
       </p:sp>
-      <p:sp>
-        <p:nvSpPr>
-          <p:cNvPr id="3" name="Subtitle 2">
-            <a:extLst>
-              <a:ext uri="{FF2B5EF4-FFF2-40B4-BE49-F238E27FC236}">
-                <a16:creationId xmlns:a16="http://schemas.microsoft.com/office/drawing/2014/main" id="{B03DDDEA-BB0F-A335-845F-8BF6B42367ED}"/>
-              </a:ext>
-            </a:extLst>
-          </p:cNvPr>
-          <p:cNvSpPr>
-            <a:spLocks noGrp="1"/>
-          </p:cNvSpPr>
-          <p:nvPr>
-            <p:ph type="subTitle" idx="1"/>
-          </p:nvPr>
-        </p:nvSpPr>
-        <p:spPr/>
-        <p:txBody>
-          <a:bodyPr/>
-          <a:lstStyle/>
-          <a:p>
-            <a:endParaRPr lang="en-US"/>
-          </a:p>
-        </p:txBody>
-      </p:sp>
       <p:pic>
         <p:nvPicPr>
           <p:cNvPr id="4" name="Picture 3">
@@ -4238,31 +4167,6 @@
           </a:p>
         </p:txBody>
       </p:sp>
-      <p:sp>
-        <p:nvSpPr>
-          <p:cNvPr id="3" name="Subtitle 2">
-            <a:extLst>
-              <a:ext uri="{FF2B5EF4-FFF2-40B4-BE49-F238E27FC236}">
-                <a16:creationId xmlns:a16="http://schemas.microsoft.com/office/drawing/2014/main" id="{B03DDDEA-BB0F-A335-845F-8BF6B42367ED}"/>
-              </a:ext>
-            </a:extLst>
-          </p:cNvPr>
-          <p:cNvSpPr>
-            <a:spLocks noGrp="1"/>
-          </p:cNvSpPr>
-          <p:nvPr>
-            <p:ph type="subTitle" idx="1"/>
-          </p:nvPr>
-        </p:nvSpPr>
-        <p:spPr/>
-        <p:txBody>
-          <a:bodyPr/>
-          <a:lstStyle/>
-          <a:p>
-            <a:endParaRPr lang="en-US"/>
-          </a:p>
-        </p:txBody>
-      </p:sp>
       <p:pic>
         <p:nvPicPr>
           <p:cNvPr id="5" name="Picture 4" descr="Diagram, engineering drawing&#10;&#10;Description automatically generated">
@@ -4386,31 +4290,6 @@
           </a:p>
         </p:txBody>
       </p:sp>
-      <p:sp>
-        <p:nvSpPr>
-          <p:cNvPr id="3" name="Subtitle 2">
-            <a:extLst>
-              <a:ext uri="{FF2B5EF4-FFF2-40B4-BE49-F238E27FC236}">
-                <a16:creationId xmlns:a16="http://schemas.microsoft.com/office/drawing/2014/main" id="{B03DDDEA-BB0F-A335-845F-8BF6B42367ED}"/>
-              </a:ext>
-            </a:extLst>
-          </p:cNvPr>
-          <p:cNvSpPr>
-            <a:spLocks noGrp="1"/>
-          </p:cNvSpPr>
-          <p:nvPr>
-            <p:ph type="subTitle" idx="1"/>
-          </p:nvPr>
-        </p:nvSpPr>
-        <p:spPr/>
-        <p:txBody>
-          <a:bodyPr/>
-          <a:lstStyle/>
-          <a:p>
-            <a:endParaRPr lang="en-US"/>
-          </a:p>
-        </p:txBody>
-      </p:sp>
       <p:pic>
         <p:nvPicPr>
           <p:cNvPr id="4" name="Picture 3">
@@ -4811,31 +4690,6 @@
           </a:p>
         </p:txBody>
       </p:sp>
-      <p:sp>
-        <p:nvSpPr>
-          <p:cNvPr id="3" name="Subtitle 2">
-            <a:extLst>
-              <a:ext uri="{FF2B5EF4-FFF2-40B4-BE49-F238E27FC236}">
-                <a16:creationId xmlns:a16="http://schemas.microsoft.com/office/drawing/2014/main" id="{B03DDDEA-BB0F-A335-845F-8BF6B42367ED}"/>
-              </a:ext>
-            </a:extLst>
-          </p:cNvPr>
-          <p:cNvSpPr>
-            <a:spLocks noGrp="1"/>
-          </p:cNvSpPr>
-          <p:nvPr>
-            <p:ph type="subTitle" idx="1"/>
-          </p:nvPr>
-        </p:nvSpPr>
-        <p:spPr/>
-        <p:txBody>
-          <a:bodyPr/>
-          <a:lstStyle/>
-          <a:p>
-            <a:endParaRPr lang="en-US"/>
-          </a:p>
-        </p:txBody>
-      </p:sp>
       <p:pic>
         <p:nvPicPr>
           <p:cNvPr id="4" name="Picture 3">
@@ -5094,31 +4948,6 @@
               <a:rPr lang="en-US" dirty="0"/>
               <a:t>Cluster 2 Shared time points vs All</a:t>
             </a:r>
-          </a:p>
-        </p:txBody>
-      </p:sp>
-      <p:sp>
-        <p:nvSpPr>
-          <p:cNvPr id="3" name="Subtitle 2">
-            <a:extLst>
-              <a:ext uri="{FF2B5EF4-FFF2-40B4-BE49-F238E27FC236}">
-                <a16:creationId xmlns:a16="http://schemas.microsoft.com/office/drawing/2014/main" id="{B03DDDEA-BB0F-A335-845F-8BF6B42367ED}"/>
-              </a:ext>
-            </a:extLst>
-          </p:cNvPr>
-          <p:cNvSpPr>
-            <a:spLocks noGrp="1"/>
-          </p:cNvSpPr>
-          <p:nvPr>
-            <p:ph type="subTitle" idx="1"/>
-          </p:nvPr>
-        </p:nvSpPr>
-        <p:spPr/>
-        <p:txBody>
-          <a:bodyPr/>
-          <a:lstStyle/>
-          <a:p>
-            <a:endParaRPr lang="en-US" dirty="0"/>
           </a:p>
         </p:txBody>
       </p:sp>
